--- a/Food Waste Prediction.pptx
+++ b/Food Waste Prediction.pptx
@@ -4535,8 +4535,8 @@
         </p:nvSpPr>
         <p:spPr>
           <a:xfrm>
-            <a:off x="6557646" y="1622425"/>
-            <a:ext cx="1090930" cy="306705"/>
+            <a:off x="6360479" y="1622425"/>
+            <a:ext cx="1485265" cy="306705"/>
           </a:xfrm>
           <a:prstGeom prst="rect">
             <a:avLst/>
@@ -4551,7 +4551,7 @@
             <a:pPr algn="ctr"/>
             <a:r>
               <a:rPr lang="en-US" sz="1400"/>
-              <a:t>Merge data</a:t>
+              <a:t>Dataset creation</a:t>
             </a:r>
             <a:endParaRPr lang="en-US" sz="1400"/>
           </a:p>
@@ -4565,8 +4565,8 @@
         </p:nvSpPr>
         <p:spPr>
           <a:xfrm>
-            <a:off x="8430896" y="1621155"/>
-            <a:ext cx="1598930" cy="306705"/>
+            <a:off x="8544879" y="1621155"/>
+            <a:ext cx="1370965" cy="306705"/>
           </a:xfrm>
           <a:prstGeom prst="rect">
             <a:avLst/>
@@ -4581,7 +4581,7 @@
             <a:pPr algn="ctr"/>
             <a:r>
               <a:rPr lang="en-US" sz="1400"/>
-              <a:t>Machine Learning</a:t>
+              <a:t>Model creation</a:t>
             </a:r>
             <a:endParaRPr lang="en-US" sz="1400"/>
           </a:p>
@@ -4655,8 +4655,8 @@
         </p:nvSpPr>
         <p:spPr>
           <a:xfrm>
-            <a:off x="2194243" y="1621155"/>
-            <a:ext cx="1353185" cy="306705"/>
+            <a:off x="2187258" y="1621155"/>
+            <a:ext cx="1367155" cy="306705"/>
           </a:xfrm>
           <a:prstGeom prst="rect">
             <a:avLst/>
@@ -4670,38 +4670,10 @@
           <a:p>
             <a:pPr algn="ctr"/>
             <a:r>
-              <a:rPr lang="en-US" sz="1400"/>
-              <a:t>Create dataset</a:t>
-            </a:r>
-            <a:endParaRPr lang="en-US" sz="1400"/>
-          </a:p>
-        </p:txBody>
-      </p:sp>
-      <p:sp>
-        <p:nvSpPr>
-          <p:cNvPr id="201" name="Text Box 200"/>
-          <p:cNvSpPr txBox="1"/>
-          <p:nvPr/>
-        </p:nvSpPr>
-        <p:spPr>
-          <a:xfrm>
-            <a:off x="428943" y="1621155"/>
-            <a:ext cx="1139825" cy="306705"/>
-          </a:xfrm>
-          <a:prstGeom prst="rect">
-            <a:avLst/>
-          </a:prstGeom>
-          <a:noFill/>
-        </p:spPr>
-        <p:txBody>
-          <a:bodyPr wrap="none" rtlCol="0">
-            <a:spAutoFit/>
-          </a:bodyPr>
-          <a:p>
-            <a:pPr algn="ctr"/>
-            <a:r>
-              <a:rPr lang="en-US" sz="1400"/>
-              <a:t>Collect data</a:t>
+              <a:rPr lang="en-US" sz="1400">
+                <a:sym typeface="+mn-ea"/>
+              </a:rPr>
+              <a:t>Data collection</a:t>
             </a:r>
             <a:endParaRPr lang="en-US" sz="1400"/>
           </a:p>
@@ -11049,13 +11021,7 @@
               <a:rPr lang="en-US" sz="1400">
                 <a:sym typeface="+mn-ea"/>
               </a:rPr>
-              <a:t>Regular</a:t>
-            </a:r>
-            <a:r>
-              <a:rPr lang="en-US" sz="1400">
-                <a:sym typeface="+mn-ea"/>
-              </a:rPr>
-              <a:t> (2020-01-02)</a:t>
+              <a:t>Regular (2020-01-02)</a:t>
             </a:r>
             <a:endParaRPr lang="en-US" sz="1400" b="1">
               <a:sym typeface="+mn-ea"/>

--- a/Food Waste Prediction.pptx
+++ b/Food Waste Prediction.pptx
@@ -5,16 +5,17 @@
     <p:sldMasterId id="2147483648" r:id="rId1"/>
   </p:sldMasterIdLst>
   <p:notesMasterIdLst>
-    <p:notesMasterId r:id="rId10"/>
+    <p:notesMasterId r:id="rId11"/>
   </p:notesMasterIdLst>
   <p:sldIdLst>
     <p:sldId id="256" r:id="rId3"/>
     <p:sldId id="257" r:id="rId4"/>
-    <p:sldId id="258" r:id="rId5"/>
-    <p:sldId id="259" r:id="rId6"/>
-    <p:sldId id="260" r:id="rId7"/>
-    <p:sldId id="261" r:id="rId8"/>
-    <p:sldId id="262" r:id="rId9"/>
+    <p:sldId id="263" r:id="rId5"/>
+    <p:sldId id="258" r:id="rId6"/>
+    <p:sldId id="259" r:id="rId7"/>
+    <p:sldId id="260" r:id="rId8"/>
+    <p:sldId id="261" r:id="rId9"/>
+    <p:sldId id="262" r:id="rId10"/>
   </p:sldIdLst>
   <p:sldSz cx="12192000" cy="6858000"/>
   <p:notesSz cx="7103745" cy="10234295"/>
@@ -3168,7 +3169,7 @@
           <a:p>
             <a:r>
               <a:rPr lang="en-US"/>
-              <a:t>Pipeline</a:t>
+              <a:t>App flow</a:t>
             </a:r>
             <a:endParaRPr lang="en-US"/>
           </a:p>
@@ -4595,8 +4596,8 @@
         </p:nvSpPr>
         <p:spPr>
           <a:xfrm>
-            <a:off x="10298114" y="1622425"/>
-            <a:ext cx="1555115" cy="306705"/>
+            <a:off x="10581324" y="1622425"/>
+            <a:ext cx="988695" cy="306705"/>
           </a:xfrm>
           <a:prstGeom prst="rect">
             <a:avLst/>
@@ -4611,7 +4612,7 @@
             <a:pPr algn="ctr"/>
             <a:r>
               <a:rPr lang="en-US" sz="1400"/>
-              <a:t>Make predictions</a:t>
+              <a:t>Prediction</a:t>
             </a:r>
             <a:endParaRPr lang="en-US" sz="1400"/>
           </a:p>
@@ -5174,6 +5175,2248 @@
 </file>
 
 <file path=ppt/slides/slide3.xml><?xml version="1.0" encoding="utf-8"?>
+<p:sld xmlns:a="http://schemas.openxmlformats.org/drawingml/2006/main" xmlns:r="http://schemas.openxmlformats.org/officeDocument/2006/relationships" xmlns:p="http://schemas.openxmlformats.org/presentationml/2006/main">
+  <p:cSld>
+    <p:spTree>
+      <p:nvGrpSpPr>
+        <p:cNvPr id="1" name=""/>
+        <p:cNvGrpSpPr/>
+        <p:nvPr/>
+      </p:nvGrpSpPr>
+      <p:grpSpPr/>
+      <p:cxnSp>
+        <p:nvCxnSpPr>
+          <p:cNvPr id="224" name="Straight Arrow Connector 223"/>
+          <p:cNvCxnSpPr>
+            <a:stCxn id="222" idx="2"/>
+            <a:endCxn id="185" idx="0"/>
+          </p:cNvCxnSpPr>
+          <p:nvPr/>
+        </p:nvCxnSpPr>
+        <p:spPr>
+          <a:xfrm flipH="1">
+            <a:off x="4585970" y="3917315"/>
+            <a:ext cx="635" cy="555625"/>
+          </a:xfrm>
+          <a:prstGeom prst="straightConnector1">
+            <a:avLst/>
+          </a:prstGeom>
+          <a:ln w="57150">
+            <a:solidFill>
+              <a:srgbClr val="FF0000"/>
+            </a:solidFill>
+            <a:headEnd type="none" w="med" len="med"/>
+            <a:tailEnd type="triangle" w="med" len="med"/>
+          </a:ln>
+        </p:spPr>
+        <p:style>
+          <a:lnRef idx="3">
+            <a:schemeClr val="dk1"/>
+          </a:lnRef>
+          <a:fillRef idx="0">
+            <a:schemeClr val="dk1"/>
+          </a:fillRef>
+          <a:effectRef idx="2">
+            <a:schemeClr val="dk1"/>
+          </a:effectRef>
+          <a:fontRef idx="minor">
+            <a:schemeClr val="tx1"/>
+          </a:fontRef>
+        </p:style>
+      </p:cxnSp>
+      <p:sp>
+        <p:nvSpPr>
+          <p:cNvPr id="2" name="Title 1"/>
+          <p:cNvSpPr>
+            <a:spLocks noGrp="1"/>
+          </p:cNvSpPr>
+          <p:nvPr>
+            <p:ph type="title"/>
+          </p:nvPr>
+        </p:nvSpPr>
+        <p:spPr>
+          <a:xfrm>
+            <a:off x="838200" y="365125"/>
+            <a:ext cx="10515600" cy="1325563"/>
+          </a:xfrm>
+        </p:spPr>
+        <p:txBody>
+          <a:bodyPr/>
+          <a:p>
+            <a:r>
+              <a:rPr lang="en-US"/>
+              <a:t>App modules</a:t>
+            </a:r>
+            <a:endParaRPr lang="en-US"/>
+          </a:p>
+        </p:txBody>
+      </p:sp>
+      <p:grpSp>
+        <p:nvGrpSpPr>
+          <p:cNvPr id="51" name="Group 50"/>
+          <p:cNvGrpSpPr/>
+          <p:nvPr/>
+        </p:nvGrpSpPr>
+        <p:grpSpPr>
+          <a:xfrm>
+            <a:off x="2459990" y="2096135"/>
+            <a:ext cx="823595" cy="923290"/>
+            <a:chOff x="3442" y="3013"/>
+            <a:chExt cx="1297" cy="1454"/>
+          </a:xfrm>
+        </p:grpSpPr>
+        <p:sp>
+          <p:nvSpPr>
+            <p:cNvPr id="28" name="Text Box 27"/>
+            <p:cNvSpPr txBox="1"/>
+            <p:nvPr/>
+          </p:nvSpPr>
+          <p:spPr>
+            <a:xfrm>
+              <a:off x="3442" y="4033"/>
+              <a:ext cx="1297" cy="434"/>
+            </a:xfrm>
+            <a:prstGeom prst="rect">
+              <a:avLst/>
+            </a:prstGeom>
+            <a:noFill/>
+          </p:spPr>
+          <p:txBody>
+            <a:bodyPr wrap="none" rtlCol="0">
+              <a:spAutoFit/>
+            </a:bodyPr>
+            <a:p>
+              <a:pPr algn="ctr"/>
+              <a:r>
+                <a:rPr lang="en-US" sz="1200"/>
+                <a:t>Registers</a:t>
+              </a:r>
+              <a:endParaRPr lang="en-US" sz="1400"/>
+            </a:p>
+          </p:txBody>
+        </p:sp>
+        <p:pic>
+          <p:nvPicPr>
+            <p:cNvPr id="50" name="Picture 49"/>
+            <p:cNvPicPr>
+              <a:picLocks noChangeAspect="1"/>
+            </p:cNvPicPr>
+            <p:nvPr/>
+          </p:nvPicPr>
+          <p:blipFill>
+            <a:blip r:embed="rId1"/>
+            <a:stretch>
+              <a:fillRect/>
+            </a:stretch>
+          </p:blipFill>
+          <p:spPr>
+            <a:xfrm>
+              <a:off x="3579" y="3013"/>
+              <a:ext cx="1020" cy="1020"/>
+            </a:xfrm>
+            <a:prstGeom prst="rect">
+              <a:avLst/>
+            </a:prstGeom>
+          </p:spPr>
+        </p:pic>
+      </p:grpSp>
+      <p:grpSp>
+        <p:nvGrpSpPr>
+          <p:cNvPr id="53" name="Group 52"/>
+          <p:cNvGrpSpPr/>
+          <p:nvPr/>
+        </p:nvGrpSpPr>
+        <p:grpSpPr>
+          <a:xfrm>
+            <a:off x="2547620" y="3215640"/>
+            <a:ext cx="647700" cy="941070"/>
+            <a:chOff x="3585" y="4920"/>
+            <a:chExt cx="1020" cy="1482"/>
+          </a:xfrm>
+        </p:grpSpPr>
+        <p:sp>
+          <p:nvSpPr>
+            <p:cNvPr id="25" name="Text Box 24"/>
+            <p:cNvSpPr txBox="1"/>
+            <p:nvPr/>
+          </p:nvSpPr>
+          <p:spPr>
+            <a:xfrm>
+              <a:off x="3590" y="5968"/>
+              <a:ext cx="1012" cy="434"/>
+            </a:xfrm>
+            <a:prstGeom prst="rect">
+              <a:avLst/>
+            </a:prstGeom>
+            <a:noFill/>
+          </p:spPr>
+          <p:txBody>
+            <a:bodyPr wrap="none" rtlCol="0">
+              <a:spAutoFit/>
+            </a:bodyPr>
+            <a:p>
+              <a:pPr algn="ctr"/>
+              <a:r>
+                <a:rPr lang="en-US" sz="1200"/>
+                <a:t>Menus</a:t>
+              </a:r>
+              <a:endParaRPr lang="en-US" sz="1400"/>
+            </a:p>
+          </p:txBody>
+        </p:sp>
+        <p:pic>
+          <p:nvPicPr>
+            <p:cNvPr id="52" name="Picture 51"/>
+            <p:cNvPicPr>
+              <a:picLocks noChangeAspect="1"/>
+            </p:cNvPicPr>
+            <p:nvPr/>
+          </p:nvPicPr>
+          <p:blipFill>
+            <a:blip r:embed="rId1"/>
+            <a:stretch>
+              <a:fillRect/>
+            </a:stretch>
+          </p:blipFill>
+          <p:spPr>
+            <a:xfrm>
+              <a:off x="3585" y="4920"/>
+              <a:ext cx="1020" cy="1020"/>
+            </a:xfrm>
+            <a:prstGeom prst="rect">
+              <a:avLst/>
+            </a:prstGeom>
+          </p:spPr>
+        </p:pic>
+      </p:grpSp>
+      <p:grpSp>
+        <p:nvGrpSpPr>
+          <p:cNvPr id="56" name="Group 55"/>
+          <p:cNvGrpSpPr/>
+          <p:nvPr/>
+        </p:nvGrpSpPr>
+        <p:grpSpPr>
+          <a:xfrm>
+            <a:off x="6325870" y="2357120"/>
+            <a:ext cx="1555115" cy="1355725"/>
+            <a:chOff x="9329" y="3381"/>
+            <a:chExt cx="2449" cy="2135"/>
+          </a:xfrm>
+        </p:grpSpPr>
+        <p:pic>
+          <p:nvPicPr>
+            <p:cNvPr id="54" name="Picture 53"/>
+            <p:cNvPicPr>
+              <a:picLocks noChangeAspect="1"/>
+            </p:cNvPicPr>
+            <p:nvPr/>
+          </p:nvPicPr>
+          <p:blipFill>
+            <a:blip r:embed="rId2"/>
+            <a:stretch>
+              <a:fillRect/>
+            </a:stretch>
+          </p:blipFill>
+          <p:spPr>
+            <a:xfrm>
+              <a:off x="9703" y="3381"/>
+              <a:ext cx="1701" cy="1701"/>
+            </a:xfrm>
+            <a:prstGeom prst="rect">
+              <a:avLst/>
+            </a:prstGeom>
+          </p:spPr>
+        </p:pic>
+        <p:sp>
+          <p:nvSpPr>
+            <p:cNvPr id="55" name="Text Box 54"/>
+            <p:cNvSpPr txBox="1"/>
+            <p:nvPr/>
+          </p:nvSpPr>
+          <p:spPr>
+            <a:xfrm>
+              <a:off x="9329" y="5082"/>
+              <a:ext cx="2449" cy="434"/>
+            </a:xfrm>
+            <a:prstGeom prst="rect">
+              <a:avLst/>
+            </a:prstGeom>
+            <a:noFill/>
+          </p:spPr>
+          <p:txBody>
+            <a:bodyPr wrap="square" rtlCol="0">
+              <a:spAutoFit/>
+            </a:bodyPr>
+            <a:p>
+              <a:pPr algn="ctr"/>
+              <a:r>
+                <a:rPr lang="en-US" sz="1200"/>
+                <a:t>Training data</a:t>
+              </a:r>
+              <a:endParaRPr lang="en-US" sz="1200"/>
+            </a:p>
+          </p:txBody>
+        </p:sp>
+      </p:grpSp>
+      <p:cxnSp>
+        <p:nvCxnSpPr>
+          <p:cNvPr id="57" name="Straight Arrow Connector 56"/>
+          <p:cNvCxnSpPr>
+            <a:stCxn id="162" idx="3"/>
+            <a:endCxn id="50" idx="1"/>
+          </p:cNvCxnSpPr>
+          <p:nvPr/>
+        </p:nvCxnSpPr>
+        <p:spPr>
+          <a:xfrm>
+            <a:off x="1322705" y="2419985"/>
+            <a:ext cx="1224280" cy="0"/>
+          </a:xfrm>
+          <a:prstGeom prst="straightConnector1">
+            <a:avLst/>
+          </a:prstGeom>
+          <a:ln w="57150">
+            <a:solidFill>
+              <a:schemeClr val="tx1"/>
+            </a:solidFill>
+            <a:headEnd type="none" w="med" len="med"/>
+            <a:tailEnd type="triangle" w="med" len="med"/>
+          </a:ln>
+        </p:spPr>
+        <p:style>
+          <a:lnRef idx="3">
+            <a:schemeClr val="dk1"/>
+          </a:lnRef>
+          <a:fillRef idx="0">
+            <a:schemeClr val="dk1"/>
+          </a:fillRef>
+          <a:effectRef idx="2">
+            <a:schemeClr val="dk1"/>
+          </a:effectRef>
+          <a:fontRef idx="minor">
+            <a:schemeClr val="tx1"/>
+          </a:fontRef>
+        </p:style>
+      </p:cxnSp>
+      <p:cxnSp>
+        <p:nvCxnSpPr>
+          <p:cNvPr id="58" name="Straight Arrow Connector 57"/>
+          <p:cNvCxnSpPr>
+            <a:endCxn id="52" idx="1"/>
+          </p:cNvCxnSpPr>
+          <p:nvPr/>
+        </p:nvCxnSpPr>
+        <p:spPr>
+          <a:xfrm>
+            <a:off x="1322705" y="3539490"/>
+            <a:ext cx="1224915" cy="0"/>
+          </a:xfrm>
+          <a:prstGeom prst="straightConnector1">
+            <a:avLst/>
+          </a:prstGeom>
+          <a:ln w="57150">
+            <a:solidFill>
+              <a:schemeClr val="tx1"/>
+            </a:solidFill>
+            <a:headEnd type="none" w="med" len="med"/>
+            <a:tailEnd type="triangle" w="med" len="med"/>
+          </a:ln>
+        </p:spPr>
+        <p:style>
+          <a:lnRef idx="3">
+            <a:schemeClr val="dk1"/>
+          </a:lnRef>
+          <a:fillRef idx="0">
+            <a:schemeClr val="dk1"/>
+          </a:fillRef>
+          <a:effectRef idx="2">
+            <a:schemeClr val="dk1"/>
+          </a:effectRef>
+          <a:fontRef idx="minor">
+            <a:schemeClr val="tx1"/>
+          </a:fontRef>
+        </p:style>
+      </p:cxnSp>
+      <p:cxnSp>
+        <p:nvCxnSpPr>
+          <p:cNvPr id="61" name="Straight Arrow Connector 60"/>
+          <p:cNvCxnSpPr>
+            <a:stCxn id="50" idx="3"/>
+            <a:endCxn id="165" idx="1"/>
+          </p:cNvCxnSpPr>
+          <p:nvPr/>
+        </p:nvCxnSpPr>
+        <p:spPr>
+          <a:xfrm>
+            <a:off x="3194685" y="2419985"/>
+            <a:ext cx="1070610" cy="1270"/>
+          </a:xfrm>
+          <a:prstGeom prst="straightConnector1">
+            <a:avLst/>
+          </a:prstGeom>
+          <a:ln w="57150">
+            <a:solidFill>
+              <a:schemeClr val="tx1"/>
+            </a:solidFill>
+            <a:headEnd type="none" w="med" len="med"/>
+            <a:tailEnd type="triangle" w="med" len="med"/>
+          </a:ln>
+        </p:spPr>
+        <p:style>
+          <a:lnRef idx="3">
+            <a:schemeClr val="dk1"/>
+          </a:lnRef>
+          <a:fillRef idx="0">
+            <a:schemeClr val="dk1"/>
+          </a:fillRef>
+          <a:effectRef idx="2">
+            <a:schemeClr val="dk1"/>
+          </a:effectRef>
+          <a:fontRef idx="minor">
+            <a:schemeClr val="tx1"/>
+          </a:fontRef>
+        </p:style>
+      </p:cxnSp>
+      <p:grpSp>
+        <p:nvGrpSpPr>
+          <p:cNvPr id="96" name="Group 95"/>
+          <p:cNvGrpSpPr/>
+          <p:nvPr/>
+        </p:nvGrpSpPr>
+        <p:grpSpPr>
+          <a:xfrm>
+            <a:off x="8430895" y="2357120"/>
+            <a:ext cx="1555115" cy="1371600"/>
+            <a:chOff x="13068" y="4377"/>
+            <a:chExt cx="2449" cy="2160"/>
+          </a:xfrm>
+        </p:grpSpPr>
+        <p:pic>
+          <p:nvPicPr>
+            <p:cNvPr id="94" name="Picture 93"/>
+            <p:cNvPicPr>
+              <a:picLocks noChangeAspect="1"/>
+            </p:cNvPicPr>
+            <p:nvPr/>
+          </p:nvPicPr>
+          <p:blipFill>
+            <a:blip r:embed="rId3"/>
+            <a:stretch>
+              <a:fillRect/>
+            </a:stretch>
+          </p:blipFill>
+          <p:spPr>
+            <a:xfrm>
+              <a:off x="13401" y="4377"/>
+              <a:ext cx="1701" cy="1701"/>
+            </a:xfrm>
+            <a:prstGeom prst="rect">
+              <a:avLst/>
+            </a:prstGeom>
+          </p:spPr>
+        </p:pic>
+        <p:sp>
+          <p:nvSpPr>
+            <p:cNvPr id="95" name="Text Box 94"/>
+            <p:cNvSpPr txBox="1"/>
+            <p:nvPr/>
+          </p:nvSpPr>
+          <p:spPr>
+            <a:xfrm>
+              <a:off x="13068" y="6103"/>
+              <a:ext cx="2449" cy="434"/>
+            </a:xfrm>
+            <a:prstGeom prst="rect">
+              <a:avLst/>
+            </a:prstGeom>
+            <a:noFill/>
+          </p:spPr>
+          <p:txBody>
+            <a:bodyPr wrap="square" rtlCol="0">
+              <a:spAutoFit/>
+            </a:bodyPr>
+            <a:p>
+              <a:pPr algn="ctr"/>
+              <a:r>
+                <a:rPr lang="en-US" sz="1200"/>
+                <a:t>Build model</a:t>
+              </a:r>
+              <a:endParaRPr lang="en-US" sz="1200"/>
+            </a:p>
+          </p:txBody>
+        </p:sp>
+      </p:grpSp>
+      <p:cxnSp>
+        <p:nvCxnSpPr>
+          <p:cNvPr id="142" name="Straight Arrow Connector 141"/>
+          <p:cNvCxnSpPr/>
+          <p:nvPr/>
+        </p:nvCxnSpPr>
+        <p:spPr>
+          <a:xfrm>
+            <a:off x="1281430" y="4832985"/>
+            <a:ext cx="2944495" cy="0"/>
+          </a:xfrm>
+          <a:prstGeom prst="straightConnector1">
+            <a:avLst/>
+          </a:prstGeom>
+          <a:ln w="57150">
+            <a:solidFill>
+              <a:schemeClr val="tx1"/>
+            </a:solidFill>
+            <a:headEnd type="none" w="med" len="med"/>
+            <a:tailEnd type="triangle" w="med" len="med"/>
+          </a:ln>
+        </p:spPr>
+        <p:style>
+          <a:lnRef idx="3">
+            <a:schemeClr val="dk1"/>
+          </a:lnRef>
+          <a:fillRef idx="0">
+            <a:schemeClr val="dk1"/>
+          </a:fillRef>
+          <a:effectRef idx="2">
+            <a:schemeClr val="dk1"/>
+          </a:effectRef>
+          <a:fontRef idx="minor">
+            <a:schemeClr val="tx1"/>
+          </a:fontRef>
+        </p:style>
+      </p:cxnSp>
+      <p:grpSp>
+        <p:nvGrpSpPr>
+          <p:cNvPr id="144" name="Group 143"/>
+          <p:cNvGrpSpPr/>
+          <p:nvPr/>
+        </p:nvGrpSpPr>
+        <p:grpSpPr>
+          <a:xfrm>
+            <a:off x="6325870" y="4780280"/>
+            <a:ext cx="1555115" cy="1355725"/>
+            <a:chOff x="9329" y="3381"/>
+            <a:chExt cx="2449" cy="2135"/>
+          </a:xfrm>
+        </p:grpSpPr>
+        <p:pic>
+          <p:nvPicPr>
+            <p:cNvPr id="145" name="Picture 144"/>
+            <p:cNvPicPr>
+              <a:picLocks noChangeAspect="1"/>
+            </p:cNvPicPr>
+            <p:nvPr/>
+          </p:nvPicPr>
+          <p:blipFill>
+            <a:blip r:embed="rId2"/>
+            <a:stretch>
+              <a:fillRect/>
+            </a:stretch>
+          </p:blipFill>
+          <p:spPr>
+            <a:xfrm>
+              <a:off x="9703" y="3381"/>
+              <a:ext cx="1701" cy="1701"/>
+            </a:xfrm>
+            <a:prstGeom prst="rect">
+              <a:avLst/>
+            </a:prstGeom>
+          </p:spPr>
+        </p:pic>
+        <p:sp>
+          <p:nvSpPr>
+            <p:cNvPr id="146" name="Text Box 145"/>
+            <p:cNvSpPr txBox="1"/>
+            <p:nvPr/>
+          </p:nvSpPr>
+          <p:spPr>
+            <a:xfrm>
+              <a:off x="9329" y="5082"/>
+              <a:ext cx="2449" cy="434"/>
+            </a:xfrm>
+            <a:prstGeom prst="rect">
+              <a:avLst/>
+            </a:prstGeom>
+            <a:noFill/>
+          </p:spPr>
+          <p:txBody>
+            <a:bodyPr wrap="square" rtlCol="0">
+              <a:spAutoFit/>
+            </a:bodyPr>
+            <a:p>
+              <a:pPr algn="ctr"/>
+              <a:r>
+                <a:rPr lang="en-US" sz="1200"/>
+                <a:t>Test data</a:t>
+              </a:r>
+              <a:endParaRPr lang="en-US" sz="1200"/>
+            </a:p>
+          </p:txBody>
+        </p:sp>
+      </p:grpSp>
+      <p:cxnSp>
+        <p:nvCxnSpPr>
+          <p:cNvPr id="147" name="Elbow Connector 146"/>
+          <p:cNvCxnSpPr>
+            <a:stCxn id="215" idx="3"/>
+          </p:cNvCxnSpPr>
+          <p:nvPr/>
+        </p:nvCxnSpPr>
+        <p:spPr>
+          <a:xfrm flipV="1">
+            <a:off x="4935855" y="5320665"/>
+            <a:ext cx="1627505" cy="596900"/>
+          </a:xfrm>
+          <a:prstGeom prst="bentConnector3">
+            <a:avLst>
+              <a:gd name="adj1" fmla="val 50020"/>
+            </a:avLst>
+          </a:prstGeom>
+          <a:ln w="57150">
+            <a:solidFill>
+              <a:schemeClr val="tx1"/>
+            </a:solidFill>
+            <a:headEnd type="none"/>
+            <a:tailEnd type="triangle" w="med" len="med"/>
+          </a:ln>
+        </p:spPr>
+        <p:style>
+          <a:lnRef idx="1">
+            <a:schemeClr val="accent1"/>
+          </a:lnRef>
+          <a:fillRef idx="0">
+            <a:schemeClr val="accent1"/>
+          </a:fillRef>
+          <a:effectRef idx="0">
+            <a:schemeClr val="accent1"/>
+          </a:effectRef>
+          <a:fontRef idx="minor">
+            <a:schemeClr val="tx1"/>
+          </a:fontRef>
+        </p:style>
+      </p:cxnSp>
+      <p:cxnSp>
+        <p:nvCxnSpPr>
+          <p:cNvPr id="148" name="Elbow Connector 147"/>
+          <p:cNvCxnSpPr/>
+          <p:nvPr/>
+        </p:nvCxnSpPr>
+        <p:spPr>
+          <a:xfrm>
+            <a:off x="4946015" y="4832985"/>
+            <a:ext cx="1617345" cy="487680"/>
+          </a:xfrm>
+          <a:prstGeom prst="bentConnector3">
+            <a:avLst>
+              <a:gd name="adj1" fmla="val 50020"/>
+            </a:avLst>
+          </a:prstGeom>
+          <a:ln w="57150">
+            <a:solidFill>
+              <a:schemeClr val="tx1"/>
+            </a:solidFill>
+            <a:headEnd type="none"/>
+            <a:tailEnd type="triangle" w="med" len="med"/>
+          </a:ln>
+        </p:spPr>
+        <p:style>
+          <a:lnRef idx="1">
+            <a:schemeClr val="accent1"/>
+          </a:lnRef>
+          <a:fillRef idx="0">
+            <a:schemeClr val="accent1"/>
+          </a:fillRef>
+          <a:effectRef idx="0">
+            <a:schemeClr val="accent1"/>
+          </a:effectRef>
+          <a:fontRef idx="minor">
+            <a:schemeClr val="tx1"/>
+          </a:fontRef>
+        </p:style>
+      </p:cxnSp>
+      <p:grpSp>
+        <p:nvGrpSpPr>
+          <p:cNvPr id="150" name="Group 149"/>
+          <p:cNvGrpSpPr/>
+          <p:nvPr/>
+        </p:nvGrpSpPr>
+        <p:grpSpPr>
+          <a:xfrm>
+            <a:off x="8474710" y="4786630"/>
+            <a:ext cx="1555115" cy="1355725"/>
+            <a:chOff x="13096" y="4377"/>
+            <a:chExt cx="2449" cy="2135"/>
+          </a:xfrm>
+        </p:grpSpPr>
+        <p:pic>
+          <p:nvPicPr>
+            <p:cNvPr id="151" name="Picture 150"/>
+            <p:cNvPicPr>
+              <a:picLocks noChangeAspect="1"/>
+            </p:cNvPicPr>
+            <p:nvPr/>
+          </p:nvPicPr>
+          <p:blipFill>
+            <a:blip r:embed="rId3"/>
+            <a:stretch>
+              <a:fillRect/>
+            </a:stretch>
+          </p:blipFill>
+          <p:spPr>
+            <a:xfrm>
+              <a:off x="13401" y="4377"/>
+              <a:ext cx="1701" cy="1701"/>
+            </a:xfrm>
+            <a:prstGeom prst="rect">
+              <a:avLst/>
+            </a:prstGeom>
+          </p:spPr>
+        </p:pic>
+        <p:sp>
+          <p:nvSpPr>
+            <p:cNvPr id="152" name="Text Box 151"/>
+            <p:cNvSpPr txBox="1"/>
+            <p:nvPr/>
+          </p:nvSpPr>
+          <p:spPr>
+            <a:xfrm>
+              <a:off x="13096" y="6078"/>
+              <a:ext cx="2449" cy="434"/>
+            </a:xfrm>
+            <a:prstGeom prst="rect">
+              <a:avLst/>
+            </a:prstGeom>
+            <a:noFill/>
+          </p:spPr>
+          <p:txBody>
+            <a:bodyPr wrap="square" rtlCol="0">
+              <a:spAutoFit/>
+            </a:bodyPr>
+            <a:p>
+              <a:pPr algn="ctr"/>
+              <a:r>
+                <a:rPr lang="en-US" sz="1200"/>
+                <a:t>Use model</a:t>
+              </a:r>
+              <a:endParaRPr lang="en-US" sz="1200"/>
+            </a:p>
+          </p:txBody>
+        </p:sp>
+      </p:grpSp>
+      <p:cxnSp>
+        <p:nvCxnSpPr>
+          <p:cNvPr id="153" name="Straight Arrow Connector 152"/>
+          <p:cNvCxnSpPr/>
+          <p:nvPr/>
+        </p:nvCxnSpPr>
+        <p:spPr>
+          <a:xfrm>
+            <a:off x="7643495" y="5320665"/>
+            <a:ext cx="1024890" cy="6350"/>
+          </a:xfrm>
+          <a:prstGeom prst="straightConnector1">
+            <a:avLst/>
+          </a:prstGeom>
+          <a:ln w="57150">
+            <a:solidFill>
+              <a:schemeClr val="tx1"/>
+            </a:solidFill>
+            <a:headEnd type="none" w="med" len="med"/>
+            <a:tailEnd type="triangle" w="med" len="med"/>
+          </a:ln>
+        </p:spPr>
+        <p:style>
+          <a:lnRef idx="3">
+            <a:schemeClr val="dk1"/>
+          </a:lnRef>
+          <a:fillRef idx="0">
+            <a:schemeClr val="dk1"/>
+          </a:fillRef>
+          <a:effectRef idx="2">
+            <a:schemeClr val="dk1"/>
+          </a:effectRef>
+          <a:fontRef idx="minor">
+            <a:schemeClr val="tx1"/>
+          </a:fontRef>
+        </p:style>
+      </p:cxnSp>
+      <p:cxnSp>
+        <p:nvCxnSpPr>
+          <p:cNvPr id="154" name="Straight Arrow Connector 153"/>
+          <p:cNvCxnSpPr>
+            <a:stCxn id="54" idx="3"/>
+            <a:endCxn id="94" idx="1"/>
+          </p:cNvCxnSpPr>
+          <p:nvPr/>
+        </p:nvCxnSpPr>
+        <p:spPr>
+          <a:xfrm>
+            <a:off x="7643495" y="2897505"/>
+            <a:ext cx="998855" cy="0"/>
+          </a:xfrm>
+          <a:prstGeom prst="straightConnector1">
+            <a:avLst/>
+          </a:prstGeom>
+          <a:ln w="57150">
+            <a:solidFill>
+              <a:schemeClr val="tx1"/>
+            </a:solidFill>
+            <a:headEnd type="none" w="med" len="med"/>
+            <a:tailEnd type="triangle" w="med" len="med"/>
+          </a:ln>
+        </p:spPr>
+        <p:style>
+          <a:lnRef idx="3">
+            <a:schemeClr val="dk1"/>
+          </a:lnRef>
+          <a:fillRef idx="0">
+            <a:schemeClr val="dk1"/>
+          </a:fillRef>
+          <a:effectRef idx="2">
+            <a:schemeClr val="dk1"/>
+          </a:effectRef>
+          <a:fontRef idx="minor">
+            <a:schemeClr val="tx1"/>
+          </a:fontRef>
+        </p:style>
+      </p:cxnSp>
+      <p:cxnSp>
+        <p:nvCxnSpPr>
+          <p:cNvPr id="155" name="Elbow Connector 154"/>
+          <p:cNvCxnSpPr>
+            <a:stCxn id="219" idx="3"/>
+            <a:endCxn id="54" idx="1"/>
+          </p:cNvCxnSpPr>
+          <p:nvPr/>
+        </p:nvCxnSpPr>
+        <p:spPr>
+          <a:xfrm>
+            <a:off x="4955540" y="2456180"/>
+            <a:ext cx="1607820" cy="441325"/>
+          </a:xfrm>
+          <a:prstGeom prst="bentConnector3">
+            <a:avLst>
+              <a:gd name="adj1" fmla="val 50000"/>
+            </a:avLst>
+          </a:prstGeom>
+          <a:ln w="57150">
+            <a:solidFill>
+              <a:schemeClr val="tx1"/>
+            </a:solidFill>
+            <a:headEnd type="none"/>
+            <a:tailEnd type="triangle" w="med" len="med"/>
+          </a:ln>
+        </p:spPr>
+        <p:style>
+          <a:lnRef idx="1">
+            <a:schemeClr val="accent1"/>
+          </a:lnRef>
+          <a:fillRef idx="0">
+            <a:schemeClr val="accent1"/>
+          </a:fillRef>
+          <a:effectRef idx="0">
+            <a:schemeClr val="accent1"/>
+          </a:effectRef>
+          <a:fontRef idx="minor">
+            <a:schemeClr val="tx1"/>
+          </a:fontRef>
+        </p:style>
+      </p:cxnSp>
+      <p:cxnSp>
+        <p:nvCxnSpPr>
+          <p:cNvPr id="156" name="Elbow Connector 155"/>
+          <p:cNvCxnSpPr>
+            <a:stCxn id="222" idx="3"/>
+            <a:endCxn id="54" idx="1"/>
+          </p:cNvCxnSpPr>
+          <p:nvPr/>
+        </p:nvCxnSpPr>
+        <p:spPr>
+          <a:xfrm flipV="1">
+            <a:off x="4946650" y="2897505"/>
+            <a:ext cx="1616710" cy="659765"/>
+          </a:xfrm>
+          <a:prstGeom prst="bentConnector3">
+            <a:avLst>
+              <a:gd name="adj1" fmla="val 50000"/>
+            </a:avLst>
+          </a:prstGeom>
+          <a:ln w="57150">
+            <a:solidFill>
+              <a:schemeClr val="tx1"/>
+            </a:solidFill>
+            <a:headEnd type="none"/>
+            <a:tailEnd type="triangle" w="med" len="med"/>
+          </a:ln>
+        </p:spPr>
+        <p:style>
+          <a:lnRef idx="1">
+            <a:schemeClr val="accent1"/>
+          </a:lnRef>
+          <a:fillRef idx="0">
+            <a:schemeClr val="accent1"/>
+          </a:fillRef>
+          <a:effectRef idx="0">
+            <a:schemeClr val="accent1"/>
+          </a:effectRef>
+          <a:fontRef idx="minor">
+            <a:schemeClr val="tx1"/>
+          </a:fontRef>
+        </p:style>
+      </p:cxnSp>
+      <p:grpSp>
+        <p:nvGrpSpPr>
+          <p:cNvPr id="167" name="Group 166"/>
+          <p:cNvGrpSpPr/>
+          <p:nvPr/>
+        </p:nvGrpSpPr>
+        <p:grpSpPr>
+          <a:xfrm>
+            <a:off x="599440" y="2096135"/>
+            <a:ext cx="770255" cy="1108075"/>
+            <a:chOff x="944" y="3301"/>
+            <a:chExt cx="1213" cy="1745"/>
+          </a:xfrm>
+        </p:grpSpPr>
+        <p:sp>
+          <p:nvSpPr>
+            <p:cNvPr id="15" name="Text Box 14"/>
+            <p:cNvSpPr txBox="1"/>
+            <p:nvPr/>
+          </p:nvSpPr>
+          <p:spPr>
+            <a:xfrm>
+              <a:off x="944" y="4321"/>
+              <a:ext cx="1213" cy="725"/>
+            </a:xfrm>
+            <a:prstGeom prst="rect">
+              <a:avLst/>
+            </a:prstGeom>
+            <a:noFill/>
+          </p:spPr>
+          <p:txBody>
+            <a:bodyPr wrap="none" rtlCol="0">
+              <a:spAutoFit/>
+            </a:bodyPr>
+            <a:p>
+              <a:pPr algn="ctr"/>
+              <a:r>
+                <a:rPr lang="en-US" sz="1200"/>
+                <a:t>Raw</a:t>
+              </a:r>
+              <a:endParaRPr lang="en-US" sz="1200"/>
+            </a:p>
+            <a:p>
+              <a:pPr algn="ctr"/>
+              <a:r>
+                <a:rPr lang="en-US" sz="1200"/>
+                <a:t>registers</a:t>
+              </a:r>
+              <a:endParaRPr lang="en-US" sz="1400"/>
+            </a:p>
+          </p:txBody>
+        </p:sp>
+        <p:pic>
+          <p:nvPicPr>
+            <p:cNvPr id="162" name="Picture 161"/>
+            <p:cNvPicPr>
+              <a:picLocks noChangeAspect="1"/>
+            </p:cNvPicPr>
+            <p:nvPr/>
+          </p:nvPicPr>
+          <p:blipFill>
+            <a:blip r:embed="rId4"/>
+            <a:stretch>
+              <a:fillRect/>
+            </a:stretch>
+          </p:blipFill>
+          <p:spPr>
+            <a:xfrm>
+              <a:off x="1063" y="3301"/>
+              <a:ext cx="1020" cy="1020"/>
+            </a:xfrm>
+            <a:prstGeom prst="rect">
+              <a:avLst/>
+            </a:prstGeom>
+          </p:spPr>
+        </p:pic>
+      </p:grpSp>
+      <p:grpSp>
+        <p:nvGrpSpPr>
+          <p:cNvPr id="166" name="Group 165"/>
+          <p:cNvGrpSpPr/>
+          <p:nvPr/>
+        </p:nvGrpSpPr>
+        <p:grpSpPr>
+          <a:xfrm>
+            <a:off x="664845" y="3235960"/>
+            <a:ext cx="658160" cy="1125855"/>
+            <a:chOff x="1047" y="4824"/>
+            <a:chExt cx="1036" cy="1773"/>
+          </a:xfrm>
+        </p:grpSpPr>
+        <p:sp>
+          <p:nvSpPr>
+            <p:cNvPr id="32" name="Text Box 31"/>
+            <p:cNvSpPr txBox="1"/>
+            <p:nvPr/>
+          </p:nvSpPr>
+          <p:spPr>
+            <a:xfrm>
+              <a:off x="1047" y="5872"/>
+              <a:ext cx="1008" cy="725"/>
+            </a:xfrm>
+            <a:prstGeom prst="rect">
+              <a:avLst/>
+            </a:prstGeom>
+            <a:noFill/>
+          </p:spPr>
+          <p:txBody>
+            <a:bodyPr wrap="none" rtlCol="0">
+              <a:spAutoFit/>
+            </a:bodyPr>
+            <a:p>
+              <a:pPr algn="ctr"/>
+              <a:r>
+                <a:rPr lang="en-US" sz="1200"/>
+                <a:t>Raw</a:t>
+              </a:r>
+              <a:endParaRPr lang="en-US" sz="1200"/>
+            </a:p>
+            <a:p>
+              <a:pPr algn="ctr"/>
+              <a:r>
+                <a:rPr lang="en-US" sz="1200"/>
+                <a:t>menus</a:t>
+              </a:r>
+              <a:endParaRPr lang="en-US" sz="1400"/>
+            </a:p>
+          </p:txBody>
+        </p:sp>
+        <p:pic>
+          <p:nvPicPr>
+            <p:cNvPr id="163" name="Picture 162"/>
+            <p:cNvPicPr>
+              <a:picLocks noChangeAspect="1"/>
+            </p:cNvPicPr>
+            <p:nvPr/>
+          </p:nvPicPr>
+          <p:blipFill>
+            <a:blip r:embed="rId4"/>
+            <a:stretch>
+              <a:fillRect/>
+            </a:stretch>
+          </p:blipFill>
+          <p:spPr>
+            <a:xfrm>
+              <a:off x="1063" y="4824"/>
+              <a:ext cx="1020" cy="1020"/>
+            </a:xfrm>
+            <a:prstGeom prst="rect">
+              <a:avLst/>
+            </a:prstGeom>
+          </p:spPr>
+        </p:pic>
+      </p:grpSp>
+      <p:grpSp>
+        <p:nvGrpSpPr>
+          <p:cNvPr id="174" name="Group 173"/>
+          <p:cNvGrpSpPr/>
+          <p:nvPr/>
+        </p:nvGrpSpPr>
+        <p:grpSpPr>
+          <a:xfrm>
+            <a:off x="621030" y="4509135"/>
+            <a:ext cx="660400" cy="1108075"/>
+            <a:chOff x="1043" y="3301"/>
+            <a:chExt cx="1040" cy="1745"/>
+          </a:xfrm>
+        </p:grpSpPr>
+        <p:sp>
+          <p:nvSpPr>
+            <p:cNvPr id="175" name="Text Box 174"/>
+            <p:cNvSpPr txBox="1"/>
+            <p:nvPr/>
+          </p:nvSpPr>
+          <p:spPr>
+            <a:xfrm>
+              <a:off x="1043" y="4321"/>
+              <a:ext cx="1012" cy="725"/>
+            </a:xfrm>
+            <a:prstGeom prst="rect">
+              <a:avLst/>
+            </a:prstGeom>
+            <a:noFill/>
+          </p:spPr>
+          <p:txBody>
+            <a:bodyPr wrap="none" rtlCol="0">
+              <a:spAutoFit/>
+            </a:bodyPr>
+            <a:p>
+              <a:pPr algn="ctr"/>
+              <a:r>
+                <a:rPr lang="en-US" sz="1200"/>
+                <a:t>Raw</a:t>
+              </a:r>
+              <a:endParaRPr lang="en-US" sz="1200"/>
+            </a:p>
+            <a:p>
+              <a:pPr algn="ctr"/>
+              <a:r>
+                <a:rPr lang="en-US" sz="1200"/>
+                <a:t>Menus</a:t>
+              </a:r>
+              <a:endParaRPr lang="en-US" sz="1200"/>
+            </a:p>
+          </p:txBody>
+        </p:sp>
+        <p:pic>
+          <p:nvPicPr>
+            <p:cNvPr id="176" name="Picture 175"/>
+            <p:cNvPicPr>
+              <a:picLocks noChangeAspect="1"/>
+            </p:cNvPicPr>
+            <p:nvPr/>
+          </p:nvPicPr>
+          <p:blipFill>
+            <a:blip r:embed="rId4"/>
+            <a:stretch>
+              <a:fillRect/>
+            </a:stretch>
+          </p:blipFill>
+          <p:spPr>
+            <a:xfrm>
+              <a:off x="1063" y="3301"/>
+              <a:ext cx="1020" cy="1020"/>
+            </a:xfrm>
+            <a:prstGeom prst="rect">
+              <a:avLst/>
+            </a:prstGeom>
+          </p:spPr>
+        </p:pic>
+      </p:grpSp>
+      <p:grpSp>
+        <p:nvGrpSpPr>
+          <p:cNvPr id="177" name="Group 176"/>
+          <p:cNvGrpSpPr/>
+          <p:nvPr/>
+        </p:nvGrpSpPr>
+        <p:grpSpPr>
+          <a:xfrm>
+            <a:off x="556895" y="5588000"/>
+            <a:ext cx="770255" cy="1125855"/>
+            <a:chOff x="942" y="4824"/>
+            <a:chExt cx="1213" cy="1773"/>
+          </a:xfrm>
+        </p:grpSpPr>
+        <p:sp>
+          <p:nvSpPr>
+            <p:cNvPr id="178" name="Text Box 177"/>
+            <p:cNvSpPr txBox="1"/>
+            <p:nvPr/>
+          </p:nvSpPr>
+          <p:spPr>
+            <a:xfrm>
+              <a:off x="942" y="5872"/>
+              <a:ext cx="1213" cy="725"/>
+            </a:xfrm>
+            <a:prstGeom prst="rect">
+              <a:avLst/>
+            </a:prstGeom>
+            <a:noFill/>
+          </p:spPr>
+          <p:txBody>
+            <a:bodyPr wrap="none" rtlCol="0">
+              <a:spAutoFit/>
+            </a:bodyPr>
+            <a:p>
+              <a:pPr algn="ctr"/>
+              <a:r>
+                <a:rPr lang="en-US" sz="1200"/>
+                <a:t>Raw</a:t>
+              </a:r>
+              <a:endParaRPr lang="en-US" sz="1200"/>
+            </a:p>
+            <a:p>
+              <a:pPr algn="ctr"/>
+              <a:r>
+                <a:rPr lang="en-US" sz="1200"/>
+                <a:t>registers</a:t>
+              </a:r>
+              <a:endParaRPr lang="en-US" sz="1200"/>
+            </a:p>
+          </p:txBody>
+        </p:sp>
+        <p:pic>
+          <p:nvPicPr>
+            <p:cNvPr id="179" name="Picture 178"/>
+            <p:cNvPicPr>
+              <a:picLocks noChangeAspect="1"/>
+            </p:cNvPicPr>
+            <p:nvPr/>
+          </p:nvPicPr>
+          <p:blipFill>
+            <a:blip r:embed="rId4"/>
+            <a:stretch>
+              <a:fillRect/>
+            </a:stretch>
+          </p:blipFill>
+          <p:spPr>
+            <a:xfrm>
+              <a:off x="1063" y="4824"/>
+              <a:ext cx="1020" cy="1020"/>
+            </a:xfrm>
+            <a:prstGeom prst="rect">
+              <a:avLst/>
+            </a:prstGeom>
+          </p:spPr>
+        </p:pic>
+      </p:grpSp>
+      <p:grpSp>
+        <p:nvGrpSpPr>
+          <p:cNvPr id="183" name="Group 182"/>
+          <p:cNvGrpSpPr/>
+          <p:nvPr/>
+        </p:nvGrpSpPr>
+        <p:grpSpPr>
+          <a:xfrm>
+            <a:off x="3956685" y="4472940"/>
+            <a:ext cx="1259205" cy="1083945"/>
+            <a:chOff x="6293" y="3053"/>
+            <a:chExt cx="1983" cy="1707"/>
+          </a:xfrm>
+        </p:grpSpPr>
+        <p:sp>
+          <p:nvSpPr>
+            <p:cNvPr id="184" name="Text Box 183"/>
+            <p:cNvSpPr txBox="1"/>
+            <p:nvPr/>
+          </p:nvSpPr>
+          <p:spPr>
+            <a:xfrm>
+              <a:off x="6293" y="4035"/>
+              <a:ext cx="1983" cy="725"/>
+            </a:xfrm>
+            <a:prstGeom prst="rect">
+              <a:avLst/>
+            </a:prstGeom>
+            <a:noFill/>
+          </p:spPr>
+          <p:txBody>
+            <a:bodyPr wrap="none" rtlCol="0">
+              <a:spAutoFit/>
+            </a:bodyPr>
+            <a:p>
+              <a:pPr algn="ctr"/>
+              <a:r>
+                <a:rPr lang="en-US" sz="1200"/>
+                <a:t>Extract features</a:t>
+              </a:r>
+              <a:endParaRPr lang="en-US" sz="1200"/>
+            </a:p>
+            <a:p>
+              <a:pPr algn="ctr"/>
+              <a:r>
+                <a:rPr lang="en-US" sz="1200"/>
+                <a:t>(BoW)</a:t>
+              </a:r>
+              <a:endParaRPr lang="en-US" sz="1200"/>
+            </a:p>
+          </p:txBody>
+        </p:sp>
+        <p:pic>
+          <p:nvPicPr>
+            <p:cNvPr id="185" name="Picture 184"/>
+            <p:cNvPicPr>
+              <a:picLocks noChangeAspect="1"/>
+            </p:cNvPicPr>
+            <p:nvPr/>
+          </p:nvPicPr>
+          <p:blipFill>
+            <a:blip r:embed="rId5"/>
+            <a:stretch>
+              <a:fillRect/>
+            </a:stretch>
+          </p:blipFill>
+          <p:spPr>
+            <a:xfrm>
+              <a:off x="6717" y="3053"/>
+              <a:ext cx="1134" cy="1134"/>
+            </a:xfrm>
+            <a:prstGeom prst="rect">
+              <a:avLst/>
+            </a:prstGeom>
+          </p:spPr>
+        </p:pic>
+      </p:grpSp>
+      <p:cxnSp>
+        <p:nvCxnSpPr>
+          <p:cNvPr id="187" name="Straight Arrow Connector 186"/>
+          <p:cNvCxnSpPr>
+            <a:stCxn id="151" idx="3"/>
+            <a:endCxn id="158" idx="1"/>
+          </p:cNvCxnSpPr>
+          <p:nvPr/>
+        </p:nvCxnSpPr>
+        <p:spPr>
+          <a:xfrm flipV="1">
+            <a:off x="9748520" y="5320665"/>
+            <a:ext cx="787400" cy="6350"/>
+          </a:xfrm>
+          <a:prstGeom prst="straightConnector1">
+            <a:avLst/>
+          </a:prstGeom>
+          <a:ln w="57150">
+            <a:solidFill>
+              <a:schemeClr val="tx1"/>
+            </a:solidFill>
+            <a:headEnd type="none" w="med" len="med"/>
+            <a:tailEnd type="triangle" w="med" len="med"/>
+          </a:ln>
+        </p:spPr>
+        <p:style>
+          <a:lnRef idx="3">
+            <a:schemeClr val="dk1"/>
+          </a:lnRef>
+          <a:fillRef idx="0">
+            <a:schemeClr val="dk1"/>
+          </a:fillRef>
+          <a:effectRef idx="2">
+            <a:schemeClr val="dk1"/>
+          </a:effectRef>
+          <a:fontRef idx="minor">
+            <a:schemeClr val="tx1"/>
+          </a:fontRef>
+        </p:style>
+      </p:cxnSp>
+      <p:cxnSp>
+        <p:nvCxnSpPr>
+          <p:cNvPr id="188" name="Straight Arrow Connector 187"/>
+          <p:cNvCxnSpPr>
+            <a:stCxn id="95" idx="2"/>
+            <a:endCxn id="151" idx="0"/>
+          </p:cNvCxnSpPr>
+          <p:nvPr/>
+        </p:nvCxnSpPr>
+        <p:spPr>
+          <a:xfrm>
+            <a:off x="9208770" y="3728720"/>
+            <a:ext cx="0" cy="1057910"/>
+          </a:xfrm>
+          <a:prstGeom prst="straightConnector1">
+            <a:avLst/>
+          </a:prstGeom>
+          <a:ln w="57150">
+            <a:solidFill>
+              <a:srgbClr val="FF0000"/>
+            </a:solidFill>
+            <a:headEnd type="none" w="med" len="med"/>
+            <a:tailEnd type="triangle" w="med" len="med"/>
+          </a:ln>
+        </p:spPr>
+        <p:style>
+          <a:lnRef idx="3">
+            <a:schemeClr val="dk1"/>
+          </a:lnRef>
+          <a:fillRef idx="0">
+            <a:schemeClr val="dk1"/>
+          </a:fillRef>
+          <a:effectRef idx="2">
+            <a:schemeClr val="dk1"/>
+          </a:effectRef>
+          <a:fontRef idx="minor">
+            <a:schemeClr val="tx1"/>
+          </a:fontRef>
+        </p:style>
+      </p:cxnSp>
+      <p:grpSp>
+        <p:nvGrpSpPr>
+          <p:cNvPr id="226" name="Group 225"/>
+          <p:cNvGrpSpPr/>
+          <p:nvPr/>
+        </p:nvGrpSpPr>
+        <p:grpSpPr>
+          <a:xfrm>
+            <a:off x="10535285" y="4780280"/>
+            <a:ext cx="1080770" cy="1406525"/>
+            <a:chOff x="16591" y="7528"/>
+            <a:chExt cx="1702" cy="2215"/>
+          </a:xfrm>
+        </p:grpSpPr>
+        <p:pic>
+          <p:nvPicPr>
+            <p:cNvPr id="158" name="Picture 157"/>
+            <p:cNvPicPr>
+              <a:picLocks noChangeAspect="1"/>
+            </p:cNvPicPr>
+            <p:nvPr/>
+          </p:nvPicPr>
+          <p:blipFill>
+            <a:blip r:embed="rId6"/>
+            <a:stretch>
+              <a:fillRect/>
+            </a:stretch>
+          </p:blipFill>
+          <p:spPr>
+            <a:xfrm>
+              <a:off x="16592" y="7528"/>
+              <a:ext cx="1701" cy="1701"/>
+            </a:xfrm>
+            <a:prstGeom prst="rect">
+              <a:avLst/>
+            </a:prstGeom>
+          </p:spPr>
+        </p:pic>
+        <p:sp>
+          <p:nvSpPr>
+            <p:cNvPr id="192" name="Text Box 191"/>
+            <p:cNvSpPr txBox="1"/>
+            <p:nvPr/>
+          </p:nvSpPr>
+          <p:spPr>
+            <a:xfrm>
+              <a:off x="16591" y="9018"/>
+              <a:ext cx="1702" cy="725"/>
+            </a:xfrm>
+            <a:prstGeom prst="rect">
+              <a:avLst/>
+            </a:prstGeom>
+            <a:noFill/>
+          </p:spPr>
+          <p:txBody>
+            <a:bodyPr wrap="square" rtlCol="0">
+              <a:spAutoFit/>
+            </a:bodyPr>
+            <a:p>
+              <a:pPr algn="ctr"/>
+              <a:r>
+                <a:rPr lang="en-US" sz="1200" b="1">
+                  <a:solidFill>
+                    <a:srgbClr val="FF0000"/>
+                  </a:solidFill>
+                </a:rPr>
+                <a:t>Use prediction</a:t>
+              </a:r>
+              <a:endParaRPr lang="en-US" sz="1200" b="1">
+                <a:solidFill>
+                  <a:srgbClr val="FF0000"/>
+                </a:solidFill>
+              </a:endParaRPr>
+            </a:p>
+          </p:txBody>
+        </p:sp>
+      </p:grpSp>
+      <p:sp>
+        <p:nvSpPr>
+          <p:cNvPr id="211" name="Text Box 210"/>
+          <p:cNvSpPr txBox="1"/>
+          <p:nvPr/>
+        </p:nvSpPr>
+        <p:spPr>
+          <a:xfrm rot="10800000">
+            <a:off x="139700" y="2284095"/>
+            <a:ext cx="459740" cy="1886585"/>
+          </a:xfrm>
+          <a:prstGeom prst="rect">
+            <a:avLst/>
+          </a:prstGeom>
+          <a:noFill/>
+        </p:spPr>
+        <p:txBody>
+          <a:bodyPr vert="eaVert" wrap="none" rtlCol="0">
+            <a:spAutoFit/>
+          </a:bodyPr>
+          <a:p>
+            <a:r>
+              <a:rPr lang="en-US" b="1"/>
+              <a:t>TRAINING DATA</a:t>
+            </a:r>
+            <a:endParaRPr lang="en-US" b="1"/>
+          </a:p>
+        </p:txBody>
+      </p:sp>
+      <p:sp>
+        <p:nvSpPr>
+          <p:cNvPr id="212" name="Text Box 211"/>
+          <p:cNvSpPr txBox="1"/>
+          <p:nvPr/>
+        </p:nvSpPr>
+        <p:spPr>
+          <a:xfrm rot="10800000">
+            <a:off x="161290" y="4942205"/>
+            <a:ext cx="459740" cy="1353820"/>
+          </a:xfrm>
+          <a:prstGeom prst="rect">
+            <a:avLst/>
+          </a:prstGeom>
+          <a:noFill/>
+        </p:spPr>
+        <p:txBody>
+          <a:bodyPr vert="eaVert" wrap="none" rtlCol="0">
+            <a:spAutoFit/>
+          </a:bodyPr>
+          <a:p>
+            <a:r>
+              <a:rPr lang="en-US" b="1"/>
+              <a:t>TEST DATA</a:t>
+            </a:r>
+            <a:endParaRPr lang="en-US" b="1"/>
+          </a:p>
+        </p:txBody>
+      </p:sp>
+      <p:grpSp>
+        <p:nvGrpSpPr>
+          <p:cNvPr id="213" name="Group 212"/>
+          <p:cNvGrpSpPr/>
+          <p:nvPr/>
+        </p:nvGrpSpPr>
+        <p:grpSpPr>
+          <a:xfrm>
+            <a:off x="3907790" y="5557520"/>
+            <a:ext cx="1382395" cy="1089660"/>
+            <a:chOff x="6232" y="3085"/>
+            <a:chExt cx="2177" cy="1716"/>
+          </a:xfrm>
+        </p:grpSpPr>
+        <p:sp>
+          <p:nvSpPr>
+            <p:cNvPr id="214" name="Text Box 213"/>
+            <p:cNvSpPr txBox="1"/>
+            <p:nvPr/>
+          </p:nvSpPr>
+          <p:spPr>
+            <a:xfrm>
+              <a:off x="6232" y="4076"/>
+              <a:ext cx="2177" cy="725"/>
+            </a:xfrm>
+            <a:prstGeom prst="rect">
+              <a:avLst/>
+            </a:prstGeom>
+            <a:noFill/>
+          </p:spPr>
+          <p:txBody>
+            <a:bodyPr wrap="none" rtlCol="0">
+              <a:spAutoFit/>
+            </a:bodyPr>
+            <a:p>
+              <a:pPr algn="ctr"/>
+              <a:r>
+                <a:rPr lang="en-US" sz="1200"/>
+                <a:t>Group and count </a:t>
+              </a:r>
+              <a:endParaRPr lang="en-US" sz="1200"/>
+            </a:p>
+            <a:p>
+              <a:pPr algn="ctr"/>
+              <a:r>
+                <a:rPr lang="en-US" sz="1200"/>
+                <a:t>registers by diet</a:t>
+              </a:r>
+              <a:endParaRPr lang="en-US" sz="1200"/>
+            </a:p>
+          </p:txBody>
+        </p:sp>
+        <p:pic>
+          <p:nvPicPr>
+            <p:cNvPr id="215" name="Picture 214"/>
+            <p:cNvPicPr>
+              <a:picLocks noChangeAspect="1"/>
+            </p:cNvPicPr>
+            <p:nvPr/>
+          </p:nvPicPr>
+          <p:blipFill>
+            <a:blip r:embed="rId5"/>
+            <a:stretch>
+              <a:fillRect/>
+            </a:stretch>
+          </p:blipFill>
+          <p:spPr>
+            <a:xfrm>
+              <a:off x="6717" y="3085"/>
+              <a:ext cx="1134" cy="1134"/>
+            </a:xfrm>
+            <a:prstGeom prst="rect">
+              <a:avLst/>
+            </a:prstGeom>
+          </p:spPr>
+        </p:pic>
+      </p:grpSp>
+      <p:cxnSp>
+        <p:nvCxnSpPr>
+          <p:cNvPr id="216" name="Straight Arrow Connector 215"/>
+          <p:cNvCxnSpPr>
+            <a:stCxn id="179" idx="3"/>
+            <a:endCxn id="215" idx="1"/>
+          </p:cNvCxnSpPr>
+          <p:nvPr/>
+        </p:nvCxnSpPr>
+        <p:spPr>
+          <a:xfrm>
+            <a:off x="1281430" y="5911850"/>
+            <a:ext cx="2934335" cy="5715"/>
+          </a:xfrm>
+          <a:prstGeom prst="straightConnector1">
+            <a:avLst/>
+          </a:prstGeom>
+          <a:ln w="57150">
+            <a:solidFill>
+              <a:schemeClr val="tx1"/>
+            </a:solidFill>
+            <a:headEnd type="none" w="med" len="med"/>
+            <a:tailEnd type="triangle" w="med" len="med"/>
+          </a:ln>
+        </p:spPr>
+        <p:style>
+          <a:lnRef idx="3">
+            <a:schemeClr val="dk1"/>
+          </a:lnRef>
+          <a:fillRef idx="0">
+            <a:schemeClr val="dk1"/>
+          </a:fillRef>
+          <a:effectRef idx="2">
+            <a:schemeClr val="dk1"/>
+          </a:effectRef>
+          <a:fontRef idx="minor">
+            <a:schemeClr val="tx1"/>
+          </a:fontRef>
+        </p:style>
+      </p:cxnSp>
+      <p:grpSp>
+        <p:nvGrpSpPr>
+          <p:cNvPr id="217" name="Group 216"/>
+          <p:cNvGrpSpPr/>
+          <p:nvPr/>
+        </p:nvGrpSpPr>
+        <p:grpSpPr>
+          <a:xfrm>
+            <a:off x="3914140" y="2096135"/>
+            <a:ext cx="1382395" cy="1083945"/>
+            <a:chOff x="6211" y="3053"/>
+            <a:chExt cx="2177" cy="1707"/>
+          </a:xfrm>
+        </p:grpSpPr>
+        <p:sp>
+          <p:nvSpPr>
+            <p:cNvPr id="218" name="Text Box 217"/>
+            <p:cNvSpPr txBox="1"/>
+            <p:nvPr/>
+          </p:nvSpPr>
+          <p:spPr>
+            <a:xfrm>
+              <a:off x="6211" y="4035"/>
+              <a:ext cx="2177" cy="725"/>
+            </a:xfrm>
+            <a:prstGeom prst="rect">
+              <a:avLst/>
+            </a:prstGeom>
+            <a:noFill/>
+          </p:spPr>
+          <p:txBody>
+            <a:bodyPr wrap="none" rtlCol="0">
+              <a:spAutoFit/>
+            </a:bodyPr>
+            <a:p>
+              <a:pPr algn="ctr"/>
+              <a:r>
+                <a:rPr lang="en-US" sz="1200">
+                  <a:sym typeface="+mn-ea"/>
+                </a:rPr>
+                <a:t>Group and count </a:t>
+              </a:r>
+              <a:endParaRPr lang="en-US" sz="1200"/>
+            </a:p>
+            <a:p>
+              <a:pPr algn="ctr"/>
+              <a:r>
+                <a:rPr lang="en-US" sz="1200">
+                  <a:sym typeface="+mn-ea"/>
+                </a:rPr>
+                <a:t>registers by diet</a:t>
+              </a:r>
+              <a:endParaRPr lang="en-US" sz="1200"/>
+            </a:p>
+          </p:txBody>
+        </p:sp>
+        <p:pic>
+          <p:nvPicPr>
+            <p:cNvPr id="219" name="Picture 218"/>
+            <p:cNvPicPr>
+              <a:picLocks noChangeAspect="1"/>
+            </p:cNvPicPr>
+            <p:nvPr/>
+          </p:nvPicPr>
+          <p:blipFill>
+            <a:blip r:embed="rId5"/>
+            <a:stretch>
+              <a:fillRect/>
+            </a:stretch>
+          </p:blipFill>
+          <p:spPr>
+            <a:xfrm>
+              <a:off x="6717" y="3053"/>
+              <a:ext cx="1134" cy="1134"/>
+            </a:xfrm>
+            <a:prstGeom prst="rect">
+              <a:avLst/>
+            </a:prstGeom>
+          </p:spPr>
+        </p:pic>
+      </p:grpSp>
+      <p:grpSp>
+        <p:nvGrpSpPr>
+          <p:cNvPr id="220" name="Group 219"/>
+          <p:cNvGrpSpPr/>
+          <p:nvPr/>
+        </p:nvGrpSpPr>
+        <p:grpSpPr>
+          <a:xfrm>
+            <a:off x="3996690" y="3197225"/>
+            <a:ext cx="1247775" cy="1126490"/>
+            <a:chOff x="6355" y="3085"/>
+            <a:chExt cx="1965" cy="1774"/>
+          </a:xfrm>
+        </p:grpSpPr>
+        <p:sp>
+          <p:nvSpPr>
+            <p:cNvPr id="221" name="Text Box 220"/>
+            <p:cNvSpPr txBox="1"/>
+            <p:nvPr/>
+          </p:nvSpPr>
+          <p:spPr>
+            <a:xfrm>
+              <a:off x="6355" y="4134"/>
+              <a:ext cx="1965" cy="725"/>
+            </a:xfrm>
+            <a:prstGeom prst="rect">
+              <a:avLst/>
+            </a:prstGeom>
+            <a:noFill/>
+          </p:spPr>
+          <p:txBody>
+            <a:bodyPr wrap="none" rtlCol="0">
+              <a:spAutoFit/>
+            </a:bodyPr>
+            <a:p>
+              <a:pPr algn="ctr"/>
+              <a:r>
+                <a:rPr lang="en-US" sz="1200">
+                  <a:sym typeface="+mn-ea"/>
+                </a:rPr>
+                <a:t>Build BoW and </a:t>
+              </a:r>
+              <a:endParaRPr lang="en-US" sz="1200"/>
+            </a:p>
+            <a:p>
+              <a:pPr algn="ctr"/>
+              <a:r>
+                <a:rPr lang="en-US" sz="1200">
+                  <a:sym typeface="+mn-ea"/>
+                </a:rPr>
+                <a:t>extract features</a:t>
+              </a:r>
+              <a:endParaRPr lang="en-US" sz="1200"/>
+            </a:p>
+          </p:txBody>
+        </p:sp>
+        <p:pic>
+          <p:nvPicPr>
+            <p:cNvPr id="222" name="Picture 221"/>
+            <p:cNvPicPr>
+              <a:picLocks noChangeAspect="1"/>
+            </p:cNvPicPr>
+            <p:nvPr/>
+          </p:nvPicPr>
+          <p:blipFill>
+            <a:blip r:embed="rId5"/>
+            <a:stretch>
+              <a:fillRect/>
+            </a:stretch>
+          </p:blipFill>
+          <p:spPr>
+            <a:xfrm>
+              <a:off x="6717" y="3085"/>
+              <a:ext cx="1134" cy="1134"/>
+            </a:xfrm>
+            <a:prstGeom prst="rect">
+              <a:avLst/>
+            </a:prstGeom>
+          </p:spPr>
+        </p:pic>
+      </p:grpSp>
+      <p:cxnSp>
+        <p:nvCxnSpPr>
+          <p:cNvPr id="223" name="Straight Arrow Connector 222"/>
+          <p:cNvCxnSpPr>
+            <a:stCxn id="52" idx="3"/>
+            <a:endCxn id="222" idx="1"/>
+          </p:cNvCxnSpPr>
+          <p:nvPr/>
+        </p:nvCxnSpPr>
+        <p:spPr>
+          <a:xfrm>
+            <a:off x="3195320" y="3539490"/>
+            <a:ext cx="1031240" cy="17780"/>
+          </a:xfrm>
+          <a:prstGeom prst="straightConnector1">
+            <a:avLst/>
+          </a:prstGeom>
+          <a:ln w="57150">
+            <a:solidFill>
+              <a:schemeClr val="tx1"/>
+            </a:solidFill>
+            <a:headEnd type="none" w="med" len="med"/>
+            <a:tailEnd type="triangle" w="med" len="med"/>
+          </a:ln>
+        </p:spPr>
+        <p:style>
+          <a:lnRef idx="3">
+            <a:schemeClr val="dk1"/>
+          </a:lnRef>
+          <a:fillRef idx="0">
+            <a:schemeClr val="dk1"/>
+          </a:fillRef>
+          <a:effectRef idx="2">
+            <a:schemeClr val="dk1"/>
+          </a:effectRef>
+          <a:fontRef idx="minor">
+            <a:schemeClr val="tx1"/>
+          </a:fontRef>
+        </p:style>
+      </p:cxnSp>
+      <p:cxnSp>
+        <p:nvCxnSpPr>
+          <p:cNvPr id="225" name="Straight Arrow Connector 224"/>
+          <p:cNvCxnSpPr>
+            <a:stCxn id="94" idx="3"/>
+            <a:endCxn id="228" idx="1"/>
+          </p:cNvCxnSpPr>
+          <p:nvPr/>
+        </p:nvCxnSpPr>
+        <p:spPr>
+          <a:xfrm>
+            <a:off x="9722485" y="2897505"/>
+            <a:ext cx="812800" cy="4445"/>
+          </a:xfrm>
+          <a:prstGeom prst="straightConnector1">
+            <a:avLst/>
+          </a:prstGeom>
+          <a:ln w="57150">
+            <a:solidFill>
+              <a:schemeClr val="tx1"/>
+            </a:solidFill>
+            <a:headEnd type="none" w="med" len="med"/>
+            <a:tailEnd type="triangle" w="med" len="med"/>
+          </a:ln>
+        </p:spPr>
+        <p:style>
+          <a:lnRef idx="3">
+            <a:schemeClr val="dk1"/>
+          </a:lnRef>
+          <a:fillRef idx="0">
+            <a:schemeClr val="dk1"/>
+          </a:fillRef>
+          <a:effectRef idx="2">
+            <a:schemeClr val="dk1"/>
+          </a:effectRef>
+          <a:fontRef idx="minor">
+            <a:schemeClr val="tx1"/>
+          </a:fontRef>
+        </p:style>
+      </p:cxnSp>
+      <p:grpSp>
+        <p:nvGrpSpPr>
+          <p:cNvPr id="227" name="Group 226"/>
+          <p:cNvGrpSpPr/>
+          <p:nvPr/>
+        </p:nvGrpSpPr>
+        <p:grpSpPr>
+          <a:xfrm>
+            <a:off x="10534650" y="2361565"/>
+            <a:ext cx="1080770" cy="1343660"/>
+            <a:chOff x="16591" y="7528"/>
+            <a:chExt cx="1702" cy="2116"/>
+          </a:xfrm>
+        </p:grpSpPr>
+        <p:pic>
+          <p:nvPicPr>
+            <p:cNvPr id="228" name="Picture 227"/>
+            <p:cNvPicPr>
+              <a:picLocks noChangeAspect="1"/>
+            </p:cNvPicPr>
+            <p:nvPr/>
+          </p:nvPicPr>
+          <p:blipFill>
+            <a:blip r:embed="rId6"/>
+            <a:stretch>
+              <a:fillRect/>
+            </a:stretch>
+          </p:blipFill>
+          <p:spPr>
+            <a:xfrm>
+              <a:off x="16592" y="7528"/>
+              <a:ext cx="1701" cy="1701"/>
+            </a:xfrm>
+            <a:prstGeom prst="rect">
+              <a:avLst/>
+            </a:prstGeom>
+          </p:spPr>
+        </p:pic>
+        <p:sp>
+          <p:nvSpPr>
+            <p:cNvPr id="229" name="Text Box 228"/>
+            <p:cNvSpPr txBox="1"/>
+            <p:nvPr/>
+          </p:nvSpPr>
+          <p:spPr>
+            <a:xfrm>
+              <a:off x="16591" y="9210"/>
+              <a:ext cx="1702" cy="434"/>
+            </a:xfrm>
+            <a:prstGeom prst="rect">
+              <a:avLst/>
+            </a:prstGeom>
+            <a:noFill/>
+          </p:spPr>
+          <p:txBody>
+            <a:bodyPr wrap="square" rtlCol="0">
+              <a:spAutoFit/>
+            </a:bodyPr>
+            <a:p>
+              <a:pPr algn="ctr"/>
+              <a:r>
+                <a:rPr lang="en-US" sz="1200"/>
+                <a:t>Evaluate</a:t>
+              </a:r>
+              <a:endParaRPr lang="en-US" sz="1200"/>
+            </a:p>
+          </p:txBody>
+        </p:sp>
+      </p:grpSp>
+      <p:grpSp>
+        <p:nvGrpSpPr>
+          <p:cNvPr id="7" name="Group 6"/>
+          <p:cNvGrpSpPr/>
+          <p:nvPr/>
+        </p:nvGrpSpPr>
+        <p:grpSpPr>
+          <a:xfrm>
+            <a:off x="594995" y="1456690"/>
+            <a:ext cx="3001645" cy="5288280"/>
+            <a:chOff x="937" y="2294"/>
+            <a:chExt cx="4727" cy="8328"/>
+          </a:xfrm>
+        </p:grpSpPr>
+        <p:sp>
+          <p:nvSpPr>
+            <p:cNvPr id="200" name="Text Box 199"/>
+            <p:cNvSpPr txBox="1"/>
+            <p:nvPr/>
+          </p:nvSpPr>
+          <p:spPr>
+            <a:xfrm>
+              <a:off x="944" y="2503"/>
+              <a:ext cx="4721" cy="580"/>
+            </a:xfrm>
+            <a:prstGeom prst="rect">
+              <a:avLst/>
+            </a:prstGeom>
+            <a:noFill/>
+          </p:spPr>
+          <p:txBody>
+            <a:bodyPr wrap="square" rtlCol="0">
+              <a:spAutoFit/>
+            </a:bodyPr>
+            <a:p>
+              <a:pPr algn="ctr"/>
+              <a:r>
+                <a:rPr lang="en-US" b="1">
+                  <a:solidFill>
+                    <a:srgbClr val="C00000"/>
+                  </a:solidFill>
+                  <a:sym typeface="+mn-ea"/>
+                </a:rPr>
+                <a:t>Data collection module</a:t>
+              </a:r>
+              <a:endParaRPr lang="en-US" b="1">
+                <a:solidFill>
+                  <a:srgbClr val="C00000"/>
+                </a:solidFill>
+                <a:sym typeface="+mn-ea"/>
+              </a:endParaRPr>
+            </a:p>
+          </p:txBody>
+        </p:sp>
+        <p:sp>
+          <p:nvSpPr>
+            <p:cNvPr id="3" name="Rectangles 2"/>
+            <p:cNvSpPr/>
+            <p:nvPr/>
+          </p:nvSpPr>
+          <p:spPr>
+            <a:xfrm>
+              <a:off x="937" y="2294"/>
+              <a:ext cx="4721" cy="8329"/>
+            </a:xfrm>
+            <a:prstGeom prst="rect">
+              <a:avLst/>
+            </a:prstGeom>
+            <a:solidFill>
+              <a:srgbClr val="C00000">
+                <a:alpha val="25000"/>
+              </a:srgbClr>
+            </a:solidFill>
+            <a:ln w="57150">
+              <a:solidFill>
+                <a:srgbClr val="C00000"/>
+              </a:solidFill>
+              <a:prstDash val="dash"/>
+            </a:ln>
+          </p:spPr>
+          <p:style>
+            <a:lnRef idx="2">
+              <a:schemeClr val="accent1">
+                <a:shade val="50000"/>
+              </a:schemeClr>
+            </a:lnRef>
+            <a:fillRef idx="1">
+              <a:schemeClr val="accent1"/>
+            </a:fillRef>
+            <a:effectRef idx="0">
+              <a:schemeClr val="accent1"/>
+            </a:effectRef>
+            <a:fontRef idx="minor">
+              <a:schemeClr val="lt1"/>
+            </a:fontRef>
+          </p:style>
+          <p:txBody>
+            <a:bodyPr rtlCol="0" anchor="ctr"/>
+            <a:p>
+              <a:pPr algn="ctr"/>
+              <a:endParaRPr lang="en-US"/>
+            </a:p>
+          </p:txBody>
+        </p:sp>
+      </p:grpSp>
+      <p:grpSp>
+        <p:nvGrpSpPr>
+          <p:cNvPr id="6" name="Group 5"/>
+          <p:cNvGrpSpPr/>
+          <p:nvPr/>
+        </p:nvGrpSpPr>
+        <p:grpSpPr>
+          <a:xfrm>
+            <a:off x="3881755" y="1456690"/>
+            <a:ext cx="4075430" cy="5289550"/>
+            <a:chOff x="6113" y="2294"/>
+            <a:chExt cx="6418" cy="8330"/>
+          </a:xfrm>
+        </p:grpSpPr>
+        <p:sp>
+          <p:nvSpPr>
+            <p:cNvPr id="199" name="Text Box 198"/>
+            <p:cNvSpPr txBox="1"/>
+            <p:nvPr/>
+          </p:nvSpPr>
+          <p:spPr>
+            <a:xfrm>
+              <a:off x="6154" y="2503"/>
+              <a:ext cx="6377" cy="580"/>
+            </a:xfrm>
+            <a:prstGeom prst="rect">
+              <a:avLst/>
+            </a:prstGeom>
+            <a:noFill/>
+          </p:spPr>
+          <p:txBody>
+            <a:bodyPr wrap="square" rtlCol="0">
+              <a:spAutoFit/>
+            </a:bodyPr>
+            <a:p>
+              <a:pPr algn="ctr"/>
+              <a:r>
+                <a:rPr lang="en-US" b="1">
+                  <a:solidFill>
+                    <a:schemeClr val="accent6">
+                      <a:lumMod val="75000"/>
+                    </a:schemeClr>
+                  </a:solidFill>
+                </a:rPr>
+                <a:t>Preprocessing module</a:t>
+              </a:r>
+              <a:endParaRPr lang="en-US" b="1">
+                <a:solidFill>
+                  <a:schemeClr val="accent6">
+                    <a:lumMod val="75000"/>
+                  </a:schemeClr>
+                </a:solidFill>
+              </a:endParaRPr>
+            </a:p>
+          </p:txBody>
+        </p:sp>
+        <p:sp>
+          <p:nvSpPr>
+            <p:cNvPr id="4" name="Rectangles 3"/>
+            <p:cNvSpPr/>
+            <p:nvPr/>
+          </p:nvSpPr>
+          <p:spPr>
+            <a:xfrm>
+              <a:off x="6113" y="2294"/>
+              <a:ext cx="6418" cy="8331"/>
+            </a:xfrm>
+            <a:prstGeom prst="rect">
+              <a:avLst/>
+            </a:prstGeom>
+            <a:solidFill>
+              <a:schemeClr val="accent6">
+                <a:lumMod val="75000"/>
+                <a:alpha val="25000"/>
+              </a:schemeClr>
+            </a:solidFill>
+            <a:ln w="57150">
+              <a:solidFill>
+                <a:schemeClr val="accent6">
+                  <a:lumMod val="75000"/>
+                </a:schemeClr>
+              </a:solidFill>
+              <a:prstDash val="dash"/>
+            </a:ln>
+          </p:spPr>
+          <p:style>
+            <a:lnRef idx="2">
+              <a:schemeClr val="accent1">
+                <a:shade val="50000"/>
+              </a:schemeClr>
+            </a:lnRef>
+            <a:fillRef idx="1">
+              <a:schemeClr val="accent1"/>
+            </a:fillRef>
+            <a:effectRef idx="0">
+              <a:schemeClr val="accent1"/>
+            </a:effectRef>
+            <a:fontRef idx="minor">
+              <a:schemeClr val="lt1"/>
+            </a:fontRef>
+          </p:style>
+          <p:txBody>
+            <a:bodyPr rtlCol="0" anchor="ctr"/>
+            <a:p>
+              <a:pPr algn="ctr"/>
+              <a:endParaRPr lang="en-US"/>
+            </a:p>
+          </p:txBody>
+        </p:sp>
+      </p:grpSp>
+      <p:grpSp>
+        <p:nvGrpSpPr>
+          <p:cNvPr id="8" name="Group 7"/>
+          <p:cNvGrpSpPr/>
+          <p:nvPr/>
+        </p:nvGrpSpPr>
+        <p:grpSpPr>
+          <a:xfrm>
+            <a:off x="8206105" y="1456690"/>
+            <a:ext cx="3569970" cy="5257165"/>
+            <a:chOff x="12923" y="2294"/>
+            <a:chExt cx="5622" cy="8279"/>
+          </a:xfrm>
+        </p:grpSpPr>
+        <p:sp>
+          <p:nvSpPr>
+            <p:cNvPr id="197" name="Text Box 196"/>
+            <p:cNvSpPr txBox="1"/>
+            <p:nvPr/>
+          </p:nvSpPr>
+          <p:spPr>
+            <a:xfrm>
+              <a:off x="12923" y="2503"/>
+              <a:ext cx="5622" cy="580"/>
+            </a:xfrm>
+            <a:prstGeom prst="rect">
+              <a:avLst/>
+            </a:prstGeom>
+            <a:noFill/>
+          </p:spPr>
+          <p:txBody>
+            <a:bodyPr wrap="square" rtlCol="0">
+              <a:spAutoFit/>
+            </a:bodyPr>
+            <a:p>
+              <a:pPr algn="ctr"/>
+              <a:r>
+                <a:rPr lang="en-US" b="1">
+                  <a:solidFill>
+                    <a:schemeClr val="accent5"/>
+                  </a:solidFill>
+                </a:rPr>
+                <a:t>Prediction module</a:t>
+              </a:r>
+              <a:endParaRPr lang="en-US" b="1">
+                <a:solidFill>
+                  <a:schemeClr val="accent5"/>
+                </a:solidFill>
+              </a:endParaRPr>
+            </a:p>
+          </p:txBody>
+        </p:sp>
+        <p:sp>
+          <p:nvSpPr>
+            <p:cNvPr id="5" name="Rectangles 4"/>
+            <p:cNvSpPr/>
+            <p:nvPr/>
+          </p:nvSpPr>
+          <p:spPr>
+            <a:xfrm>
+              <a:off x="12923" y="2294"/>
+              <a:ext cx="5622" cy="8279"/>
+            </a:xfrm>
+            <a:prstGeom prst="rect">
+              <a:avLst/>
+            </a:prstGeom>
+            <a:solidFill>
+              <a:schemeClr val="accent5">
+                <a:alpha val="25000"/>
+              </a:schemeClr>
+            </a:solidFill>
+            <a:ln w="57150">
+              <a:solidFill>
+                <a:schemeClr val="accent5"/>
+              </a:solidFill>
+              <a:prstDash val="dash"/>
+            </a:ln>
+          </p:spPr>
+          <p:style>
+            <a:lnRef idx="2">
+              <a:schemeClr val="accent1">
+                <a:shade val="50000"/>
+              </a:schemeClr>
+            </a:lnRef>
+            <a:fillRef idx="1">
+              <a:schemeClr val="accent1"/>
+            </a:fillRef>
+            <a:effectRef idx="0">
+              <a:schemeClr val="accent1"/>
+            </a:effectRef>
+            <a:fontRef idx="minor">
+              <a:schemeClr val="lt1"/>
+            </a:fontRef>
+          </p:style>
+          <p:txBody>
+            <a:bodyPr rtlCol="0" anchor="ctr"/>
+            <a:p>
+              <a:pPr algn="ctr"/>
+              <a:endParaRPr lang="en-US"/>
+            </a:p>
+          </p:txBody>
+        </p:sp>
+      </p:grpSp>
+    </p:spTree>
+  </p:cSld>
+  <p:clrMapOvr>
+    <a:masterClrMapping/>
+  </p:clrMapOvr>
+</p:sld>
+</file>
+
+<file path=ppt/slides/slide4.xml><?xml version="1.0" encoding="utf-8"?>
 <p:sld xmlns:a="http://schemas.openxmlformats.org/drawingml/2006/main" xmlns:r="http://schemas.openxmlformats.org/officeDocument/2006/relationships" xmlns:p="http://schemas.openxmlformats.org/presentationml/2006/main">
   <p:cSld>
     <p:spTree>
@@ -6324,7 +8567,7 @@
 </p:sld>
 </file>
 
-<file path=ppt/slides/slide4.xml><?xml version="1.0" encoding="utf-8"?>
+<file path=ppt/slides/slide5.xml><?xml version="1.0" encoding="utf-8"?>
 <p:sld xmlns:a="http://schemas.openxmlformats.org/drawingml/2006/main" xmlns:r="http://schemas.openxmlformats.org/officeDocument/2006/relationships" xmlns:p="http://schemas.openxmlformats.org/presentationml/2006/main">
   <p:cSld>
     <p:spTree>
@@ -7425,7 +9668,7 @@
 </p:sld>
 </file>
 
-<file path=ppt/slides/slide5.xml><?xml version="1.0" encoding="utf-8"?>
+<file path=ppt/slides/slide6.xml><?xml version="1.0" encoding="utf-8"?>
 <p:sld xmlns:a="http://schemas.openxmlformats.org/drawingml/2006/main" xmlns:r="http://schemas.openxmlformats.org/officeDocument/2006/relationships" xmlns:p="http://schemas.openxmlformats.org/presentationml/2006/main">
   <p:cSld>
     <p:spTree>
@@ -9599,7 +11842,7 @@
 </p:sld>
 </file>
 
-<file path=ppt/slides/slide6.xml><?xml version="1.0" encoding="utf-8"?>
+<file path=ppt/slides/slide7.xml><?xml version="1.0" encoding="utf-8"?>
 <p:sld xmlns:a="http://schemas.openxmlformats.org/drawingml/2006/main" xmlns:r="http://schemas.openxmlformats.org/officeDocument/2006/relationships" xmlns:p="http://schemas.openxmlformats.org/presentationml/2006/main">
   <p:cSld>
     <p:spTree>
@@ -11037,7 +13280,7 @@
 </p:sld>
 </file>
 
-<file path=ppt/slides/slide7.xml><?xml version="1.0" encoding="utf-8"?>
+<file path=ppt/slides/slide8.xml><?xml version="1.0" encoding="utf-8"?>
 <p:sld xmlns:a="http://schemas.openxmlformats.org/drawingml/2006/main" xmlns:r="http://schemas.openxmlformats.org/officeDocument/2006/relationships" xmlns:p="http://schemas.openxmlformats.org/presentationml/2006/main">
   <p:cSld>
     <p:spTree>

--- a/Food Waste Prediction.pptx
+++ b/Food Waste Prediction.pptx
@@ -7314,9 +7314,9 @@
         <p:grpSpPr>
           <a:xfrm>
             <a:off x="8206105" y="1456690"/>
-            <a:ext cx="3569970" cy="5257165"/>
+            <a:ext cx="3569970" cy="5288915"/>
             <a:chOff x="12923" y="2294"/>
-            <a:chExt cx="5622" cy="8279"/>
+            <a:chExt cx="5622" cy="8329"/>
           </a:xfrm>
         </p:grpSpPr>
         <p:sp>
@@ -7366,7 +7366,7 @@
           <p:spPr>
             <a:xfrm>
               <a:off x="12923" y="2294"/>
-              <a:ext cx="5622" cy="8279"/>
+              <a:ext cx="5622" cy="8329"/>
             </a:xfrm>
             <a:prstGeom prst="rect">
               <a:avLst/>

--- a/Food Waste Prediction.pptx
+++ b/Food Waste Prediction.pptx
@@ -10597,7 +10597,7 @@
                       </a:pPr>
                       <a:r>
                         <a:rPr lang="en-US" sz="1400" b="1"/>
-                        <a:t>Waste</a:t>
+                        <a:t>Difference</a:t>
                       </a:r>
                       <a:endParaRPr lang="en-US" sz="1400" b="1"/>
                     </a:p>
@@ -11547,8 +11547,8 @@
         </p:nvSpPr>
         <p:spPr>
           <a:xfrm>
-            <a:off x="4080828" y="3825240"/>
-            <a:ext cx="1227455" cy="491490"/>
+            <a:off x="3868103" y="3825240"/>
+            <a:ext cx="1652905" cy="491490"/>
           </a:xfrm>
           <a:prstGeom prst="rect">
             <a:avLst/>
@@ -11575,7 +11575,7 @@
             <a:pPr algn="ctr"/>
             <a:r>
               <a:rPr lang="en-US" sz="1400" b="1"/>
-              <a:t>on the date</a:t>
+              <a:t>on the same date</a:t>
             </a:r>
             <a:endParaRPr lang="en-US" sz="1400" b="1"/>
           </a:p>
